--- a/Kushagra Singh 2427030043 PBL-2 PPT.pptx
+++ b/Kushagra Singh 2427030043 PBL-2 PPT.pptx
@@ -145,7 +145,7 @@
   <pc:docChgLst>
     <pc:chgData name="Kushagra Singh" userId="d544485b39300f66" providerId="LiveId" clId="{E14CB0D5-A710-4E49-AABE-D5223A212189}"/>
     <pc:docChg chg="undo custSel addSld modSld">
-      <pc:chgData name="Kushagra Singh" userId="d544485b39300f66" providerId="LiveId" clId="{E14CB0D5-A710-4E49-AABE-D5223A212189}" dt="2026-02-18T08:40:09.557" v="2534" actId="20577"/>
+      <pc:chgData name="Kushagra Singh" userId="d544485b39300f66" providerId="LiveId" clId="{E14CB0D5-A710-4E49-AABE-D5223A212189}" dt="2026-02-19T04:47:36.201" v="2613" actId="20577"/>
       <pc:docMkLst>
         <pc:docMk/>
       </pc:docMkLst>
@@ -397,13 +397,13 @@
         </pc:picChg>
       </pc:sldChg>
       <pc:sldChg chg="modSp mod">
-        <pc:chgData name="Kushagra Singh" userId="d544485b39300f66" providerId="LiveId" clId="{E14CB0D5-A710-4E49-AABE-D5223A212189}" dt="2026-02-14T18:58:58.818" v="2253" actId="20577"/>
+        <pc:chgData name="Kushagra Singh" userId="d544485b39300f66" providerId="LiveId" clId="{E14CB0D5-A710-4E49-AABE-D5223A212189}" dt="2026-02-19T04:47:36.201" v="2613" actId="20577"/>
         <pc:sldMkLst>
           <pc:docMk/>
           <pc:sldMk cId="2154956931" sldId="267"/>
         </pc:sldMkLst>
         <pc:spChg chg="mod">
-          <ac:chgData name="Kushagra Singh" userId="d544485b39300f66" providerId="LiveId" clId="{E14CB0D5-A710-4E49-AABE-D5223A212189}" dt="2026-02-14T16:47:27.459" v="1695" actId="2711"/>
+          <ac:chgData name="Kushagra Singh" userId="d544485b39300f66" providerId="LiveId" clId="{E14CB0D5-A710-4E49-AABE-D5223A212189}" dt="2026-02-19T04:47:36.201" v="2613" actId="20577"/>
           <ac:spMkLst>
             <pc:docMk/>
             <pc:sldMk cId="2154956931" sldId="267"/>
@@ -411,7 +411,7 @@
           </ac:spMkLst>
         </pc:spChg>
         <pc:spChg chg="mod">
-          <ac:chgData name="Kushagra Singh" userId="d544485b39300f66" providerId="LiveId" clId="{E14CB0D5-A710-4E49-AABE-D5223A212189}" dt="2026-02-14T18:58:58.818" v="2253" actId="20577"/>
+          <ac:chgData name="Kushagra Singh" userId="d544485b39300f66" providerId="LiveId" clId="{E14CB0D5-A710-4E49-AABE-D5223A212189}" dt="2026-02-19T04:47:31.667" v="2611" actId="20577"/>
           <ac:spMkLst>
             <pc:docMk/>
             <pc:sldMk cId="2154956931" sldId="267"/>
@@ -3786,7 +3786,7 @@
           <a:p>
             <a:fld id="{89DAAEFB-A47B-4BD5-B1A5-31424B0907FC}" type="datetimeFigureOut">
               <a:rPr lang="en-IN" smtClean="0"/>
-              <a:t>18-02-2026</a:t>
+              <a:t>19-02-2026</a:t>
             </a:fld>
             <a:endParaRPr lang="en-IN"/>
           </a:p>
@@ -4287,7 +4287,7 @@
           <a:p>
             <a:fld id="{A7FACB4A-C46D-47C8-95BF-463F9F428625}" type="datetimeFigureOut">
               <a:rPr lang="en-IN" smtClean="0"/>
-              <a:t>18-02-2026</a:t>
+              <a:t>19-02-2026</a:t>
             </a:fld>
             <a:endParaRPr lang="en-IN"/>
           </a:p>
@@ -4487,7 +4487,7 @@
           <a:p>
             <a:fld id="{A7FACB4A-C46D-47C8-95BF-463F9F428625}" type="datetimeFigureOut">
               <a:rPr lang="en-IN" smtClean="0"/>
-              <a:t>18-02-2026</a:t>
+              <a:t>19-02-2026</a:t>
             </a:fld>
             <a:endParaRPr lang="en-IN"/>
           </a:p>
@@ -4697,7 +4697,7 @@
           <a:p>
             <a:fld id="{A7FACB4A-C46D-47C8-95BF-463F9F428625}" type="datetimeFigureOut">
               <a:rPr lang="en-IN" smtClean="0"/>
-              <a:t>18-02-2026</a:t>
+              <a:t>19-02-2026</a:t>
             </a:fld>
             <a:endParaRPr lang="en-IN"/>
           </a:p>
@@ -4897,7 +4897,7 @@
           <a:p>
             <a:fld id="{A7FACB4A-C46D-47C8-95BF-463F9F428625}" type="datetimeFigureOut">
               <a:rPr lang="en-IN" smtClean="0"/>
-              <a:t>18-02-2026</a:t>
+              <a:t>19-02-2026</a:t>
             </a:fld>
             <a:endParaRPr lang="en-IN"/>
           </a:p>
@@ -5173,7 +5173,7 @@
           <a:p>
             <a:fld id="{A7FACB4A-C46D-47C8-95BF-463F9F428625}" type="datetimeFigureOut">
               <a:rPr lang="en-IN" smtClean="0"/>
-              <a:t>18-02-2026</a:t>
+              <a:t>19-02-2026</a:t>
             </a:fld>
             <a:endParaRPr lang="en-IN"/>
           </a:p>
@@ -5441,7 +5441,7 @@
           <a:p>
             <a:fld id="{A7FACB4A-C46D-47C8-95BF-463F9F428625}" type="datetimeFigureOut">
               <a:rPr lang="en-IN" smtClean="0"/>
-              <a:t>18-02-2026</a:t>
+              <a:t>19-02-2026</a:t>
             </a:fld>
             <a:endParaRPr lang="en-IN"/>
           </a:p>
@@ -5856,7 +5856,7 @@
           <a:p>
             <a:fld id="{A7FACB4A-C46D-47C8-95BF-463F9F428625}" type="datetimeFigureOut">
               <a:rPr lang="en-IN" smtClean="0"/>
-              <a:t>18-02-2026</a:t>
+              <a:t>19-02-2026</a:t>
             </a:fld>
             <a:endParaRPr lang="en-IN"/>
           </a:p>
@@ -5998,7 +5998,7 @@
           <a:p>
             <a:fld id="{A7FACB4A-C46D-47C8-95BF-463F9F428625}" type="datetimeFigureOut">
               <a:rPr lang="en-IN" smtClean="0"/>
-              <a:t>18-02-2026</a:t>
+              <a:t>19-02-2026</a:t>
             </a:fld>
             <a:endParaRPr lang="en-IN"/>
           </a:p>
@@ -6111,7 +6111,7 @@
           <a:p>
             <a:fld id="{A7FACB4A-C46D-47C8-95BF-463F9F428625}" type="datetimeFigureOut">
               <a:rPr lang="en-IN" smtClean="0"/>
-              <a:t>18-02-2026</a:t>
+              <a:t>19-02-2026</a:t>
             </a:fld>
             <a:endParaRPr lang="en-IN"/>
           </a:p>
@@ -6424,7 +6424,7 @@
           <a:p>
             <a:fld id="{A7FACB4A-C46D-47C8-95BF-463F9F428625}" type="datetimeFigureOut">
               <a:rPr lang="en-IN" smtClean="0"/>
-              <a:t>18-02-2026</a:t>
+              <a:t>19-02-2026</a:t>
             </a:fld>
             <a:endParaRPr lang="en-IN"/>
           </a:p>
@@ -6713,7 +6713,7 @@
           <a:p>
             <a:fld id="{A7FACB4A-C46D-47C8-95BF-463F9F428625}" type="datetimeFigureOut">
               <a:rPr lang="en-IN" smtClean="0"/>
-              <a:t>18-02-2026</a:t>
+              <a:t>19-02-2026</a:t>
             </a:fld>
             <a:endParaRPr lang="en-IN"/>
           </a:p>
@@ -6956,7 +6956,7 @@
           <a:p>
             <a:fld id="{A7FACB4A-C46D-47C8-95BF-463F9F428625}" type="datetimeFigureOut">
               <a:rPr lang="en-IN" smtClean="0"/>
-              <a:t>18-02-2026</a:t>
+              <a:t>19-02-2026</a:t>
             </a:fld>
             <a:endParaRPr lang="en-IN"/>
           </a:p>
@@ -8760,12 +8760,16 @@
           <a:lstStyle/>
           <a:p>
             <a:r>
-              <a:rPr lang="en-US" dirty="0">
+              <a:rPr lang="en-US">
                 <a:latin typeface="Times New Roman" panose="02020603050405020304" pitchFamily="18" charset="0"/>
                 <a:cs typeface="Times New Roman" panose="02020603050405020304" pitchFamily="18" charset="0"/>
               </a:rPr>
-              <a:t>Outcome </a:t>
-            </a:r>
+              <a:t>Outcomes</a:t>
+            </a:r>
+            <a:endParaRPr lang="en-US" dirty="0">
+              <a:latin typeface="Times New Roman" panose="02020603050405020304" pitchFamily="18" charset="0"/>
+              <a:cs typeface="Times New Roman" panose="02020603050405020304" pitchFamily="18" charset="0"/>
+            </a:endParaRPr>
           </a:p>
         </p:txBody>
       </p:sp>
@@ -8790,22 +8794,6 @@
           <a:bodyPr/>
           <a:lstStyle/>
           <a:p>
-            <a:pPr marL="0" indent="0">
-              <a:buNone/>
-            </a:pPr>
-            <a:r>
-              <a:rPr lang="en-US" sz="1600" dirty="0"/>
-              <a:t> </a:t>
-            </a:r>
-            <a:r>
-              <a:rPr lang="en-US" sz="3600" b="1" dirty="0">
-                <a:latin typeface="Times New Roman" panose="02020603050405020304" pitchFamily="18" charset="0"/>
-                <a:cs typeface="Times New Roman" panose="02020603050405020304" pitchFamily="18" charset="0"/>
-              </a:rPr>
-              <a:t>Current Semester Achievements</a:t>
-            </a:r>
-          </a:p>
-          <a:p>
             <a:r>
               <a:rPr lang="en-US" dirty="0">
                 <a:latin typeface="Times New Roman" panose="02020603050405020304" pitchFamily="18" charset="0"/>
@@ -8845,22 +8833,10 @@
             <a:pPr marL="0" indent="0">
               <a:buNone/>
             </a:pPr>
-            <a:r>
-              <a:rPr lang="en-US" sz="3600" b="1" dirty="0">
-                <a:latin typeface="Times New Roman" panose="02020603050405020304" pitchFamily="18" charset="0"/>
-                <a:cs typeface="Times New Roman" panose="02020603050405020304" pitchFamily="18" charset="0"/>
-              </a:rPr>
-              <a:t>Next Semester Goals</a:t>
-            </a:r>
-          </a:p>
-          <a:p>
-            <a:r>
-              <a:rPr lang="en-US" dirty="0">
-                <a:latin typeface="Times New Roman" panose="02020603050405020304" pitchFamily="18" charset="0"/>
-                <a:cs typeface="Times New Roman" panose="02020603050405020304" pitchFamily="18" charset="0"/>
-              </a:rPr>
-              <a:t>Research paper drafting</a:t>
-            </a:r>
+            <a:endParaRPr lang="en-US" dirty="0">
+              <a:latin typeface="Times New Roman" panose="02020603050405020304" pitchFamily="18" charset="0"/>
+              <a:cs typeface="Times New Roman" panose="02020603050405020304" pitchFamily="18" charset="0"/>
+            </a:endParaRPr>
           </a:p>
           <a:p>
             <a:pPr marL="0" indent="0">

--- a/Kushagra Singh 2427030043 PBL-2 PPT.pptx
+++ b/Kushagra Singh 2427030043 PBL-2 PPT.pptx
@@ -145,7 +145,7 @@
   <pc:docChgLst>
     <pc:chgData name="Kushagra Singh" userId="d544485b39300f66" providerId="LiveId" clId="{E14CB0D5-A710-4E49-AABE-D5223A212189}"/>
     <pc:docChg chg="undo custSel addSld modSld">
-      <pc:chgData name="Kushagra Singh" userId="d544485b39300f66" providerId="LiveId" clId="{E14CB0D5-A710-4E49-AABE-D5223A212189}" dt="2026-02-19T04:47:36.201" v="2613" actId="20577"/>
+      <pc:chgData name="Kushagra Singh" userId="d544485b39300f66" providerId="LiveId" clId="{E14CB0D5-A710-4E49-AABE-D5223A212189}" dt="2026-02-19T07:15:47.081" v="2617" actId="14100"/>
       <pc:docMkLst>
         <pc:docMk/>
       </pc:docMkLst>
@@ -574,7 +574,7 @@
         </pc:graphicFrameChg>
       </pc:sldChg>
       <pc:sldChg chg="addSp delSp modSp new mod">
-        <pc:chgData name="Kushagra Singh" userId="d544485b39300f66" providerId="LiveId" clId="{E14CB0D5-A710-4E49-AABE-D5223A212189}" dt="2026-02-14T19:36:17.069" v="2361" actId="1076"/>
+        <pc:chgData name="Kushagra Singh" userId="d544485b39300f66" providerId="LiveId" clId="{E14CB0D5-A710-4E49-AABE-D5223A212189}" dt="2026-02-19T07:15:47.081" v="2617" actId="14100"/>
         <pc:sldMkLst>
           <pc:docMk/>
           <pc:sldMk cId="3310950981" sldId="274"/>
@@ -604,7 +604,15 @@
           </ac:picMkLst>
         </pc:picChg>
         <pc:picChg chg="add mod">
-          <ac:chgData name="Kushagra Singh" userId="d544485b39300f66" providerId="LiveId" clId="{E14CB0D5-A710-4E49-AABE-D5223A212189}" dt="2026-02-14T18:53:07.524" v="2246" actId="1076"/>
+          <ac:chgData name="Kushagra Singh" userId="d544485b39300f66" providerId="LiveId" clId="{E14CB0D5-A710-4E49-AABE-D5223A212189}" dt="2026-02-19T07:15:47.081" v="2617" actId="14100"/>
+          <ac:picMkLst>
+            <pc:docMk/>
+            <pc:sldMk cId="3310950981" sldId="274"/>
+            <ac:picMk id="6" creationId="{5F6DFEAA-909D-7123-30EC-2CCEA9C78878}"/>
+          </ac:picMkLst>
+        </pc:picChg>
+        <pc:picChg chg="add del mod">
+          <ac:chgData name="Kushagra Singh" userId="d544485b39300f66" providerId="LiveId" clId="{E14CB0D5-A710-4E49-AABE-D5223A212189}" dt="2026-02-19T07:15:39.882" v="2615" actId="21"/>
           <ac:picMkLst>
             <pc:docMk/>
             <pc:sldMk cId="3310950981" sldId="274"/>
@@ -8638,10 +8646,10 @@
       </p:pic>
       <p:pic>
         <p:nvPicPr>
-          <p:cNvPr id="7" name="Picture 6">
+          <p:cNvPr id="4" name="Picture 3">
             <a:extLst>
               <a:ext uri="{FF2B5EF4-FFF2-40B4-BE49-F238E27FC236}">
-                <a16:creationId xmlns:a16="http://schemas.microsoft.com/office/drawing/2014/main" id="{056231BF-C871-7503-F7B8-3C729D0F1F9B}"/>
+                <a16:creationId xmlns:a16="http://schemas.microsoft.com/office/drawing/2014/main" id="{3C027FCC-1C07-0DE3-9223-2F9EFC4207BC}"/>
               </a:ext>
             </a:extLst>
           </p:cNvPr>
@@ -8664,8 +8672,8 @@
         </p:blipFill>
         <p:spPr>
           <a:xfrm>
-            <a:off x="6096000" y="554027"/>
-            <a:ext cx="5723980" cy="2097147"/>
+            <a:off x="7059289" y="4447343"/>
+            <a:ext cx="3515216" cy="1390844"/>
           </a:xfrm>
           <a:prstGeom prst="rect">
             <a:avLst/>
@@ -8674,10 +8682,10 @@
       </p:pic>
       <p:pic>
         <p:nvPicPr>
-          <p:cNvPr id="4" name="Picture 3">
+          <p:cNvPr id="6" name="Picture 5">
             <a:extLst>
               <a:ext uri="{FF2B5EF4-FFF2-40B4-BE49-F238E27FC236}">
-                <a16:creationId xmlns:a16="http://schemas.microsoft.com/office/drawing/2014/main" id="{3C027FCC-1C07-0DE3-9223-2F9EFC4207BC}"/>
+                <a16:creationId xmlns:a16="http://schemas.microsoft.com/office/drawing/2014/main" id="{5F6DFEAA-909D-7123-30EC-2CCEA9C78878}"/>
               </a:ext>
             </a:extLst>
           </p:cNvPr>
@@ -8687,21 +8695,15 @@
           <p:nvPr/>
         </p:nvPicPr>
         <p:blipFill>
-          <a:blip r:embed="rId4">
-            <a:extLst>
-              <a:ext uri="{28A0092B-C50C-407E-A947-70E740481C1C}">
-                <a14:useLocalDpi xmlns:a14="http://schemas.microsoft.com/office/drawing/2010/main" val="0"/>
-              </a:ext>
-            </a:extLst>
-          </a:blip>
+          <a:blip r:embed="rId4"/>
           <a:stretch>
             <a:fillRect/>
           </a:stretch>
         </p:blipFill>
         <p:spPr>
           <a:xfrm>
-            <a:off x="7059289" y="4447343"/>
-            <a:ext cx="3515216" cy="1390844"/>
+            <a:off x="5979669" y="481936"/>
+            <a:ext cx="5872905" cy="1600423"/>
           </a:xfrm>
           <a:prstGeom prst="rect">
             <a:avLst/>
